--- a/data/templates/pp.pptx
+++ b/data/templates/pp.pptx
@@ -1,19 +1,111 @@
 
 <file path=ppt/presentation.xml><?xml version="1.0" encoding="utf-8"?>
-<p:presentation xmlns:a="http://schemas.openxmlformats.org/drawingml/2006/main" xmlns:p="http://schemas.openxmlformats.org/presentationml/2006/main" xmlns:r="http://schemas.openxmlformats.org/officeDocument/2006/relationships" xmlns:p14="http://schemas.microsoft.com/office/powerpoint/2010/main" xmlns:p15="http://schemas.microsoft.com/office/powerpoint/2012/main" xmlns:mc="http://schemas.openxmlformats.org/markup-compatibility/2006">
+<p:presentation xmlns:a="http://schemas.openxmlformats.org/drawingml/2006/main" xmlns:r="http://schemas.openxmlformats.org/officeDocument/2006/relationships" xmlns:p="http://schemas.openxmlformats.org/presentationml/2006/main">
   <p:sldMasterIdLst>
-    <p:sldMasterId id="2147483648" r:id="rId2"/>
+    <p:sldMasterId id="2147483648" r:id="rId1"/>
   </p:sldMasterIdLst>
   <p:sldIdLst>
     <p:sldId id="256" r:id="rId3"/>
   </p:sldIdLst>
   <p:sldSz cx="12192000" cy="6858000"/>
-  <p:notesSz cx="7559675" cy="10691812"/>
+  <p:notesSz cx="7559675" cy="10691495"/>
+  <p:defaultTextStyle>
+    <a:lvl1pPr marL="0" algn="l" defTabSz="914400" rtl="0" eaLnBrk="1" latinLnBrk="0" hangingPunct="1">
+      <a:defRPr sz="1800" kern="1200">
+        <a:solidFill>
+          <a:schemeClr val="tx1"/>
+        </a:solidFill>
+        <a:latin typeface="+mn-lt"/>
+        <a:ea typeface="+mn-ea"/>
+        <a:cs typeface="+mn-cs"/>
+      </a:defRPr>
+    </a:lvl1pPr>
+    <a:lvl2pPr marL="457200" algn="l" defTabSz="914400" rtl="0" eaLnBrk="1" latinLnBrk="0" hangingPunct="1">
+      <a:defRPr sz="1800" kern="1200">
+        <a:solidFill>
+          <a:schemeClr val="tx1"/>
+        </a:solidFill>
+        <a:latin typeface="+mn-lt"/>
+        <a:ea typeface="+mn-ea"/>
+        <a:cs typeface="+mn-cs"/>
+      </a:defRPr>
+    </a:lvl2pPr>
+    <a:lvl3pPr marL="914400" algn="l" defTabSz="914400" rtl="0" eaLnBrk="1" latinLnBrk="0" hangingPunct="1">
+      <a:defRPr sz="1800" kern="1200">
+        <a:solidFill>
+          <a:schemeClr val="tx1"/>
+        </a:solidFill>
+        <a:latin typeface="+mn-lt"/>
+        <a:ea typeface="+mn-ea"/>
+        <a:cs typeface="+mn-cs"/>
+      </a:defRPr>
+    </a:lvl3pPr>
+    <a:lvl4pPr marL="1371600" algn="l" defTabSz="914400" rtl="0" eaLnBrk="1" latinLnBrk="0" hangingPunct="1">
+      <a:defRPr sz="1800" kern="1200">
+        <a:solidFill>
+          <a:schemeClr val="tx1"/>
+        </a:solidFill>
+        <a:latin typeface="+mn-lt"/>
+        <a:ea typeface="+mn-ea"/>
+        <a:cs typeface="+mn-cs"/>
+      </a:defRPr>
+    </a:lvl4pPr>
+    <a:lvl5pPr marL="1828800" algn="l" defTabSz="914400" rtl="0" eaLnBrk="1" latinLnBrk="0" hangingPunct="1">
+      <a:defRPr sz="1800" kern="1200">
+        <a:solidFill>
+          <a:schemeClr val="tx1"/>
+        </a:solidFill>
+        <a:latin typeface="+mn-lt"/>
+        <a:ea typeface="+mn-ea"/>
+        <a:cs typeface="+mn-cs"/>
+      </a:defRPr>
+    </a:lvl5pPr>
+    <a:lvl6pPr marL="2286000" algn="l" defTabSz="914400" rtl="0" eaLnBrk="1" latinLnBrk="0" hangingPunct="1">
+      <a:defRPr sz="1800" kern="1200">
+        <a:solidFill>
+          <a:schemeClr val="tx1"/>
+        </a:solidFill>
+        <a:latin typeface="+mn-lt"/>
+        <a:ea typeface="+mn-ea"/>
+        <a:cs typeface="+mn-cs"/>
+      </a:defRPr>
+    </a:lvl6pPr>
+    <a:lvl7pPr marL="2743200" algn="l" defTabSz="914400" rtl="0" eaLnBrk="1" latinLnBrk="0" hangingPunct="1">
+      <a:defRPr sz="1800" kern="1200">
+        <a:solidFill>
+          <a:schemeClr val="tx1"/>
+        </a:solidFill>
+        <a:latin typeface="+mn-lt"/>
+        <a:ea typeface="+mn-ea"/>
+        <a:cs typeface="+mn-cs"/>
+      </a:defRPr>
+    </a:lvl7pPr>
+    <a:lvl8pPr marL="3200400" algn="l" defTabSz="914400" rtl="0" eaLnBrk="1" latinLnBrk="0" hangingPunct="1">
+      <a:defRPr sz="1800" kern="1200">
+        <a:solidFill>
+          <a:schemeClr val="tx1"/>
+        </a:solidFill>
+        <a:latin typeface="+mn-lt"/>
+        <a:ea typeface="+mn-ea"/>
+        <a:cs typeface="+mn-cs"/>
+      </a:defRPr>
+    </a:lvl8pPr>
+    <a:lvl9pPr marL="3657600" algn="l" defTabSz="914400" rtl="0" eaLnBrk="1" latinLnBrk="0" hangingPunct="1">
+      <a:defRPr sz="1800" kern="1200">
+        <a:solidFill>
+          <a:schemeClr val="tx1"/>
+        </a:solidFill>
+        <a:latin typeface="+mn-lt"/>
+        <a:ea typeface="+mn-ea"/>
+        <a:cs typeface="+mn-cs"/>
+      </a:defRPr>
+    </a:lvl9pPr>
+  </p:defaultTextStyle>
 </p:presentation>
 </file>
 
 <file path=ppt/slideLayouts/slideLayout1.xml><?xml version="1.0" encoding="utf-8"?>
-<p:sldLayout xmlns:a="http://schemas.openxmlformats.org/drawingml/2006/main" xmlns:p="http://schemas.openxmlformats.org/presentationml/2006/main" xmlns:r="http://schemas.openxmlformats.org/officeDocument/2006/relationships" xmlns:p14="http://schemas.microsoft.com/office/powerpoint/2010/main" xmlns:p15="http://schemas.microsoft.com/office/powerpoint/2012/main" xmlns:mc="http://schemas.openxmlformats.org/markup-compatibility/2006" type="blank" preserve="1">
+<p:sldLayout xmlns:a="http://schemas.openxmlformats.org/drawingml/2006/main" xmlns:r="http://schemas.openxmlformats.org/officeDocument/2006/relationships" xmlns:p="http://schemas.openxmlformats.org/presentationml/2006/main" type="blank" preserve="1">
   <p:cSld name="Blank Slide">
     <p:spTree>
       <p:nvGrpSpPr>
@@ -31,11 +123,14 @@
       </p:grpSpPr>
     </p:spTree>
   </p:cSld>
+  <p:clrMapOvr>
+    <a:masterClrMapping/>
+  </p:clrMapOvr>
 </p:sldLayout>
 </file>
 
 <file path=ppt/slideLayouts/slideLayout10.xml><?xml version="1.0" encoding="utf-8"?>
-<p:sldLayout xmlns:a="http://schemas.openxmlformats.org/drawingml/2006/main" xmlns:p="http://schemas.openxmlformats.org/presentationml/2006/main" xmlns:r="http://schemas.openxmlformats.org/officeDocument/2006/relationships" xmlns:p14="http://schemas.microsoft.com/office/powerpoint/2010/main" xmlns:p15="http://schemas.microsoft.com/office/powerpoint/2012/main" xmlns:mc="http://schemas.openxmlformats.org/markup-compatibility/2006" type="objOverTx" preserve="1">
+<p:sldLayout xmlns:a="http://schemas.openxmlformats.org/drawingml/2006/main" xmlns:r="http://schemas.openxmlformats.org/officeDocument/2006/relationships" xmlns:p="http://schemas.openxmlformats.org/presentationml/2006/main" type="objOverTx" preserve="1">
   <p:cSld name="Title, Content over Content">
     <p:spTree>
       <p:nvGrpSpPr>
@@ -71,12 +166,12 @@
           </a:prstGeom>
         </p:spPr>
         <p:txBody>
-          <a:bodyPr lIns="0" rIns="0" tIns="0" bIns="0" anchor="ctr">
+          <a:bodyPr lIns="0" tIns="0" rIns="0" bIns="0" anchor="ctr">
             <a:noAutofit/>
           </a:bodyPr>
           <a:p>
             <a:pPr algn="ctr"/>
-            <a:endParaRPr b="0" lang="fr-FR" sz="4400" spc="-1" strike="noStrike">
+            <a:endParaRPr lang="fr-FR" sz="4400" b="0" strike="noStrike" spc="-1">
               <a:latin typeface="Arial"/>
             </a:endParaRPr>
           </a:p>
@@ -102,11 +197,11 @@
           </a:prstGeom>
         </p:spPr>
         <p:txBody>
-          <a:bodyPr lIns="0" rIns="0" tIns="0" bIns="0">
-            <a:normAutofit/>
-          </a:bodyPr>
-          <a:p>
-            <a:endParaRPr b="0" lang="fr-FR" sz="3200" spc="-1" strike="noStrike">
+          <a:bodyPr lIns="0" tIns="0" rIns="0" bIns="0">
+            <a:normAutofit/>
+          </a:bodyPr>
+          <a:p>
+            <a:endParaRPr lang="fr-FR" sz="3200" b="0" strike="noStrike" spc="-1">
               <a:latin typeface="Arial"/>
             </a:endParaRPr>
           </a:p>
@@ -132,11 +227,11 @@
           </a:prstGeom>
         </p:spPr>
         <p:txBody>
-          <a:bodyPr lIns="0" rIns="0" tIns="0" bIns="0">
-            <a:normAutofit/>
-          </a:bodyPr>
-          <a:p>
-            <a:endParaRPr b="0" lang="fr-FR" sz="3200" spc="-1" strike="noStrike">
+          <a:bodyPr lIns="0" tIns="0" rIns="0" bIns="0">
+            <a:normAutofit/>
+          </a:bodyPr>
+          <a:p>
+            <a:endParaRPr lang="fr-FR" sz="3200" b="0" strike="noStrike" spc="-1">
               <a:latin typeface="Arial"/>
             </a:endParaRPr>
           </a:p>
@@ -144,11 +239,14 @@
       </p:sp>
     </p:spTree>
   </p:cSld>
+  <p:clrMapOvr>
+    <a:masterClrMapping/>
+  </p:clrMapOvr>
 </p:sldLayout>
 </file>
 
 <file path=ppt/slideLayouts/slideLayout11.xml><?xml version="1.0" encoding="utf-8"?>
-<p:sldLayout xmlns:a="http://schemas.openxmlformats.org/drawingml/2006/main" xmlns:p="http://schemas.openxmlformats.org/presentationml/2006/main" xmlns:r="http://schemas.openxmlformats.org/officeDocument/2006/relationships" xmlns:p14="http://schemas.microsoft.com/office/powerpoint/2010/main" xmlns:p15="http://schemas.microsoft.com/office/powerpoint/2012/main" xmlns:mc="http://schemas.openxmlformats.org/markup-compatibility/2006" type="fourObj" preserve="1">
+<p:sldLayout xmlns:a="http://schemas.openxmlformats.org/drawingml/2006/main" xmlns:r="http://schemas.openxmlformats.org/officeDocument/2006/relationships" xmlns:p="http://schemas.openxmlformats.org/presentationml/2006/main" type="fourObj" preserve="1">
   <p:cSld name="Title, 4 Content">
     <p:spTree>
       <p:nvGrpSpPr>
@@ -184,12 +282,12 @@
           </a:prstGeom>
         </p:spPr>
         <p:txBody>
-          <a:bodyPr lIns="0" rIns="0" tIns="0" bIns="0" anchor="ctr">
+          <a:bodyPr lIns="0" tIns="0" rIns="0" bIns="0" anchor="ctr">
             <a:noAutofit/>
           </a:bodyPr>
           <a:p>
             <a:pPr algn="ctr"/>
-            <a:endParaRPr b="0" lang="fr-FR" sz="4400" spc="-1" strike="noStrike">
+            <a:endParaRPr lang="fr-FR" sz="4400" b="0" strike="noStrike" spc="-1">
               <a:latin typeface="Arial"/>
             </a:endParaRPr>
           </a:p>
@@ -215,11 +313,11 @@
           </a:prstGeom>
         </p:spPr>
         <p:txBody>
-          <a:bodyPr lIns="0" rIns="0" tIns="0" bIns="0">
-            <a:normAutofit/>
-          </a:bodyPr>
-          <a:p>
-            <a:endParaRPr b="0" lang="fr-FR" sz="3200" spc="-1" strike="noStrike">
+          <a:bodyPr lIns="0" tIns="0" rIns="0" bIns="0">
+            <a:normAutofit/>
+          </a:bodyPr>
+          <a:p>
+            <a:endParaRPr lang="fr-FR" sz="3200" b="0" strike="noStrike" spc="-1">
               <a:latin typeface="Arial"/>
             </a:endParaRPr>
           </a:p>
@@ -245,11 +343,11 @@
           </a:prstGeom>
         </p:spPr>
         <p:txBody>
-          <a:bodyPr lIns="0" rIns="0" tIns="0" bIns="0">
-            <a:normAutofit/>
-          </a:bodyPr>
-          <a:p>
-            <a:endParaRPr b="0" lang="fr-FR" sz="3200" spc="-1" strike="noStrike">
+          <a:bodyPr lIns="0" tIns="0" rIns="0" bIns="0">
+            <a:normAutofit/>
+          </a:bodyPr>
+          <a:p>
+            <a:endParaRPr lang="fr-FR" sz="3200" b="0" strike="noStrike" spc="-1">
               <a:latin typeface="Arial"/>
             </a:endParaRPr>
           </a:p>
@@ -275,11 +373,11 @@
           </a:prstGeom>
         </p:spPr>
         <p:txBody>
-          <a:bodyPr lIns="0" rIns="0" tIns="0" bIns="0">
-            <a:normAutofit/>
-          </a:bodyPr>
-          <a:p>
-            <a:endParaRPr b="0" lang="fr-FR" sz="3200" spc="-1" strike="noStrike">
+          <a:bodyPr lIns="0" tIns="0" rIns="0" bIns="0">
+            <a:normAutofit/>
+          </a:bodyPr>
+          <a:p>
+            <a:endParaRPr lang="fr-FR" sz="3200" b="0" strike="noStrike" spc="-1">
               <a:latin typeface="Arial"/>
             </a:endParaRPr>
           </a:p>
@@ -305,11 +403,11 @@
           </a:prstGeom>
         </p:spPr>
         <p:txBody>
-          <a:bodyPr lIns="0" rIns="0" tIns="0" bIns="0">
-            <a:normAutofit/>
-          </a:bodyPr>
-          <a:p>
-            <a:endParaRPr b="0" lang="fr-FR" sz="3200" spc="-1" strike="noStrike">
+          <a:bodyPr lIns="0" tIns="0" rIns="0" bIns="0">
+            <a:normAutofit/>
+          </a:bodyPr>
+          <a:p>
+            <a:endParaRPr lang="fr-FR" sz="3200" b="0" strike="noStrike" spc="-1">
               <a:latin typeface="Arial"/>
             </a:endParaRPr>
           </a:p>
@@ -317,11 +415,14 @@
       </p:sp>
     </p:spTree>
   </p:cSld>
+  <p:clrMapOvr>
+    <a:masterClrMapping/>
+  </p:clrMapOvr>
 </p:sldLayout>
 </file>
 
 <file path=ppt/slideLayouts/slideLayout12.xml><?xml version="1.0" encoding="utf-8"?>
-<p:sldLayout xmlns:a="http://schemas.openxmlformats.org/drawingml/2006/main" xmlns:p="http://schemas.openxmlformats.org/presentationml/2006/main" xmlns:r="http://schemas.openxmlformats.org/officeDocument/2006/relationships" xmlns:p14="http://schemas.microsoft.com/office/powerpoint/2010/main" xmlns:p15="http://schemas.microsoft.com/office/powerpoint/2012/main" xmlns:mc="http://schemas.openxmlformats.org/markup-compatibility/2006" type="blank" preserve="1">
+<p:sldLayout xmlns:a="http://schemas.openxmlformats.org/drawingml/2006/main" xmlns:r="http://schemas.openxmlformats.org/officeDocument/2006/relationships" xmlns:p="http://schemas.openxmlformats.org/presentationml/2006/main" type="blank" preserve="1">
   <p:cSld name="Title, 6 Content">
     <p:spTree>
       <p:nvGrpSpPr>
@@ -357,12 +458,12 @@
           </a:prstGeom>
         </p:spPr>
         <p:txBody>
-          <a:bodyPr lIns="0" rIns="0" tIns="0" bIns="0" anchor="ctr">
+          <a:bodyPr lIns="0" tIns="0" rIns="0" bIns="0" anchor="ctr">
             <a:noAutofit/>
           </a:bodyPr>
           <a:p>
             <a:pPr algn="ctr"/>
-            <a:endParaRPr b="0" lang="fr-FR" sz="4400" spc="-1" strike="noStrike">
+            <a:endParaRPr lang="fr-FR" sz="4400" b="0" strike="noStrike" spc="-1">
               <a:latin typeface="Arial"/>
             </a:endParaRPr>
           </a:p>
@@ -388,11 +489,11 @@
           </a:prstGeom>
         </p:spPr>
         <p:txBody>
-          <a:bodyPr lIns="0" rIns="0" tIns="0" bIns="0">
-            <a:normAutofit/>
-          </a:bodyPr>
-          <a:p>
-            <a:endParaRPr b="0" lang="fr-FR" sz="3200" spc="-1" strike="noStrike">
+          <a:bodyPr lIns="0" tIns="0" rIns="0" bIns="0">
+            <a:normAutofit/>
+          </a:bodyPr>
+          <a:p>
+            <a:endParaRPr lang="fr-FR" sz="3200" b="0" strike="noStrike" spc="-1">
               <a:latin typeface="Arial"/>
             </a:endParaRPr>
           </a:p>
@@ -418,11 +519,11 @@
           </a:prstGeom>
         </p:spPr>
         <p:txBody>
-          <a:bodyPr lIns="0" rIns="0" tIns="0" bIns="0">
-            <a:normAutofit/>
-          </a:bodyPr>
-          <a:p>
-            <a:endParaRPr b="0" lang="fr-FR" sz="3200" spc="-1" strike="noStrike">
+          <a:bodyPr lIns="0" tIns="0" rIns="0" bIns="0">
+            <a:normAutofit/>
+          </a:bodyPr>
+          <a:p>
+            <a:endParaRPr lang="fr-FR" sz="3200" b="0" strike="noStrike" spc="-1">
               <a:latin typeface="Arial"/>
             </a:endParaRPr>
           </a:p>
@@ -448,11 +549,11 @@
           </a:prstGeom>
         </p:spPr>
         <p:txBody>
-          <a:bodyPr lIns="0" rIns="0" tIns="0" bIns="0">
-            <a:normAutofit/>
-          </a:bodyPr>
-          <a:p>
-            <a:endParaRPr b="0" lang="fr-FR" sz="3200" spc="-1" strike="noStrike">
+          <a:bodyPr lIns="0" tIns="0" rIns="0" bIns="0">
+            <a:normAutofit/>
+          </a:bodyPr>
+          <a:p>
+            <a:endParaRPr lang="fr-FR" sz="3200" b="0" strike="noStrike" spc="-1">
               <a:latin typeface="Arial"/>
             </a:endParaRPr>
           </a:p>
@@ -478,11 +579,11 @@
           </a:prstGeom>
         </p:spPr>
         <p:txBody>
-          <a:bodyPr lIns="0" rIns="0" tIns="0" bIns="0">
-            <a:normAutofit/>
-          </a:bodyPr>
-          <a:p>
-            <a:endParaRPr b="0" lang="fr-FR" sz="3200" spc="-1" strike="noStrike">
+          <a:bodyPr lIns="0" tIns="0" rIns="0" bIns="0">
+            <a:normAutofit/>
+          </a:bodyPr>
+          <a:p>
+            <a:endParaRPr lang="fr-FR" sz="3200" b="0" strike="noStrike" spc="-1">
               <a:latin typeface="Arial"/>
             </a:endParaRPr>
           </a:p>
@@ -508,11 +609,11 @@
           </a:prstGeom>
         </p:spPr>
         <p:txBody>
-          <a:bodyPr lIns="0" rIns="0" tIns="0" bIns="0">
-            <a:normAutofit/>
-          </a:bodyPr>
-          <a:p>
-            <a:endParaRPr b="0" lang="fr-FR" sz="3200" spc="-1" strike="noStrike">
+          <a:bodyPr lIns="0" tIns="0" rIns="0" bIns="0">
+            <a:normAutofit/>
+          </a:bodyPr>
+          <a:p>
+            <a:endParaRPr lang="fr-FR" sz="3200" b="0" strike="noStrike" spc="-1">
               <a:latin typeface="Arial"/>
             </a:endParaRPr>
           </a:p>
@@ -538,11 +639,11 @@
           </a:prstGeom>
         </p:spPr>
         <p:txBody>
-          <a:bodyPr lIns="0" rIns="0" tIns="0" bIns="0">
-            <a:normAutofit/>
-          </a:bodyPr>
-          <a:p>
-            <a:endParaRPr b="0" lang="fr-FR" sz="3200" spc="-1" strike="noStrike">
+          <a:bodyPr lIns="0" tIns="0" rIns="0" bIns="0">
+            <a:normAutofit/>
+          </a:bodyPr>
+          <a:p>
+            <a:endParaRPr lang="fr-FR" sz="3200" b="0" strike="noStrike" spc="-1">
               <a:latin typeface="Arial"/>
             </a:endParaRPr>
           </a:p>
@@ -550,11 +651,14 @@
       </p:sp>
     </p:spTree>
   </p:cSld>
+  <p:clrMapOvr>
+    <a:masterClrMapping/>
+  </p:clrMapOvr>
 </p:sldLayout>
 </file>
 
 <file path=ppt/slideLayouts/slideLayout2.xml><?xml version="1.0" encoding="utf-8"?>
-<p:sldLayout xmlns:a="http://schemas.openxmlformats.org/drawingml/2006/main" xmlns:p="http://schemas.openxmlformats.org/presentationml/2006/main" xmlns:r="http://schemas.openxmlformats.org/officeDocument/2006/relationships" xmlns:p14="http://schemas.microsoft.com/office/powerpoint/2010/main" xmlns:p15="http://schemas.microsoft.com/office/powerpoint/2012/main" xmlns:mc="http://schemas.openxmlformats.org/markup-compatibility/2006" type="tx" preserve="1">
+<p:sldLayout xmlns:a="http://schemas.openxmlformats.org/drawingml/2006/main" xmlns:r="http://schemas.openxmlformats.org/officeDocument/2006/relationships" xmlns:p="http://schemas.openxmlformats.org/presentationml/2006/main" type="tx" preserve="1">
   <p:cSld name="Title Slide">
     <p:spTree>
       <p:nvGrpSpPr>
@@ -590,12 +694,12 @@
           </a:prstGeom>
         </p:spPr>
         <p:txBody>
-          <a:bodyPr lIns="0" rIns="0" tIns="0" bIns="0" anchor="ctr">
+          <a:bodyPr lIns="0" tIns="0" rIns="0" bIns="0" anchor="ctr">
             <a:noAutofit/>
           </a:bodyPr>
           <a:p>
             <a:pPr algn="ctr"/>
-            <a:endParaRPr b="0" lang="fr-FR" sz="4400" spc="-1" strike="noStrike">
+            <a:endParaRPr lang="fr-FR" sz="4400" b="0" strike="noStrike" spc="-1">
               <a:latin typeface="Arial"/>
             </a:endParaRPr>
           </a:p>
@@ -621,12 +725,12 @@
           </a:prstGeom>
         </p:spPr>
         <p:txBody>
-          <a:bodyPr lIns="0" rIns="0" tIns="0" bIns="0" anchor="ctr">
+          <a:bodyPr lIns="0" tIns="0" rIns="0" bIns="0" anchor="ctr">
             <a:noAutofit/>
           </a:bodyPr>
           <a:p>
             <a:pPr algn="ctr"/>
-            <a:endParaRPr b="0" lang="fr-FR" sz="3200" spc="-1" strike="noStrike">
+            <a:endParaRPr lang="fr-FR" sz="3200" b="0" strike="noStrike" spc="-1">
               <a:latin typeface="Arial"/>
             </a:endParaRPr>
           </a:p>
@@ -634,11 +738,14 @@
       </p:sp>
     </p:spTree>
   </p:cSld>
+  <p:clrMapOvr>
+    <a:masterClrMapping/>
+  </p:clrMapOvr>
 </p:sldLayout>
 </file>
 
 <file path=ppt/slideLayouts/slideLayout3.xml><?xml version="1.0" encoding="utf-8"?>
-<p:sldLayout xmlns:a="http://schemas.openxmlformats.org/drawingml/2006/main" xmlns:p="http://schemas.openxmlformats.org/presentationml/2006/main" xmlns:r="http://schemas.openxmlformats.org/officeDocument/2006/relationships" xmlns:p14="http://schemas.microsoft.com/office/powerpoint/2010/main" xmlns:p15="http://schemas.microsoft.com/office/powerpoint/2012/main" xmlns:mc="http://schemas.openxmlformats.org/markup-compatibility/2006" type="obj" preserve="1">
+<p:sldLayout xmlns:a="http://schemas.openxmlformats.org/drawingml/2006/main" xmlns:r="http://schemas.openxmlformats.org/officeDocument/2006/relationships" xmlns:p="http://schemas.openxmlformats.org/presentationml/2006/main" type="obj" preserve="1">
   <p:cSld name="Title, Content">
     <p:spTree>
       <p:nvGrpSpPr>
@@ -674,12 +781,12 @@
           </a:prstGeom>
         </p:spPr>
         <p:txBody>
-          <a:bodyPr lIns="0" rIns="0" tIns="0" bIns="0" anchor="ctr">
+          <a:bodyPr lIns="0" tIns="0" rIns="0" bIns="0" anchor="ctr">
             <a:noAutofit/>
           </a:bodyPr>
           <a:p>
             <a:pPr algn="ctr"/>
-            <a:endParaRPr b="0" lang="fr-FR" sz="4400" spc="-1" strike="noStrike">
+            <a:endParaRPr lang="fr-FR" sz="4400" b="0" strike="noStrike" spc="-1">
               <a:latin typeface="Arial"/>
             </a:endParaRPr>
           </a:p>
@@ -705,11 +812,11 @@
           </a:prstGeom>
         </p:spPr>
         <p:txBody>
-          <a:bodyPr lIns="0" rIns="0" tIns="0" bIns="0">
-            <a:normAutofit/>
-          </a:bodyPr>
-          <a:p>
-            <a:endParaRPr b="0" lang="fr-FR" sz="3200" spc="-1" strike="noStrike">
+          <a:bodyPr lIns="0" tIns="0" rIns="0" bIns="0">
+            <a:normAutofit/>
+          </a:bodyPr>
+          <a:p>
+            <a:endParaRPr lang="fr-FR" sz="3200" b="0" strike="noStrike" spc="-1">
               <a:latin typeface="Arial"/>
             </a:endParaRPr>
           </a:p>
@@ -717,11 +824,14 @@
       </p:sp>
     </p:spTree>
   </p:cSld>
+  <p:clrMapOvr>
+    <a:masterClrMapping/>
+  </p:clrMapOvr>
 </p:sldLayout>
 </file>
 
 <file path=ppt/slideLayouts/slideLayout4.xml><?xml version="1.0" encoding="utf-8"?>
-<p:sldLayout xmlns:a="http://schemas.openxmlformats.org/drawingml/2006/main" xmlns:p="http://schemas.openxmlformats.org/presentationml/2006/main" xmlns:r="http://schemas.openxmlformats.org/officeDocument/2006/relationships" xmlns:p14="http://schemas.microsoft.com/office/powerpoint/2010/main" xmlns:p15="http://schemas.microsoft.com/office/powerpoint/2012/main" xmlns:mc="http://schemas.openxmlformats.org/markup-compatibility/2006" type="twoObj" preserve="1">
+<p:sldLayout xmlns:a="http://schemas.openxmlformats.org/drawingml/2006/main" xmlns:r="http://schemas.openxmlformats.org/officeDocument/2006/relationships" xmlns:p="http://schemas.openxmlformats.org/presentationml/2006/main" type="twoObj" preserve="1">
   <p:cSld name="Title, 2 Content">
     <p:spTree>
       <p:nvGrpSpPr>
@@ -757,12 +867,12 @@
           </a:prstGeom>
         </p:spPr>
         <p:txBody>
-          <a:bodyPr lIns="0" rIns="0" tIns="0" bIns="0" anchor="ctr">
+          <a:bodyPr lIns="0" tIns="0" rIns="0" bIns="0" anchor="ctr">
             <a:noAutofit/>
           </a:bodyPr>
           <a:p>
             <a:pPr algn="ctr"/>
-            <a:endParaRPr b="0" lang="fr-FR" sz="4400" spc="-1" strike="noStrike">
+            <a:endParaRPr lang="fr-FR" sz="4400" b="0" strike="noStrike" spc="-1">
               <a:latin typeface="Arial"/>
             </a:endParaRPr>
           </a:p>
@@ -788,11 +898,11 @@
           </a:prstGeom>
         </p:spPr>
         <p:txBody>
-          <a:bodyPr lIns="0" rIns="0" tIns="0" bIns="0">
-            <a:normAutofit/>
-          </a:bodyPr>
-          <a:p>
-            <a:endParaRPr b="0" lang="fr-FR" sz="3200" spc="-1" strike="noStrike">
+          <a:bodyPr lIns="0" tIns="0" rIns="0" bIns="0">
+            <a:normAutofit/>
+          </a:bodyPr>
+          <a:p>
+            <a:endParaRPr lang="fr-FR" sz="3200" b="0" strike="noStrike" spc="-1">
               <a:latin typeface="Arial"/>
             </a:endParaRPr>
           </a:p>
@@ -818,11 +928,11 @@
           </a:prstGeom>
         </p:spPr>
         <p:txBody>
-          <a:bodyPr lIns="0" rIns="0" tIns="0" bIns="0">
-            <a:normAutofit/>
-          </a:bodyPr>
-          <a:p>
-            <a:endParaRPr b="0" lang="fr-FR" sz="3200" spc="-1" strike="noStrike">
+          <a:bodyPr lIns="0" tIns="0" rIns="0" bIns="0">
+            <a:normAutofit/>
+          </a:bodyPr>
+          <a:p>
+            <a:endParaRPr lang="fr-FR" sz="3200" b="0" strike="noStrike" spc="-1">
               <a:latin typeface="Arial"/>
             </a:endParaRPr>
           </a:p>
@@ -830,11 +940,14 @@
       </p:sp>
     </p:spTree>
   </p:cSld>
+  <p:clrMapOvr>
+    <a:masterClrMapping/>
+  </p:clrMapOvr>
 </p:sldLayout>
 </file>
 
 <file path=ppt/slideLayouts/slideLayout5.xml><?xml version="1.0" encoding="utf-8"?>
-<p:sldLayout xmlns:a="http://schemas.openxmlformats.org/drawingml/2006/main" xmlns:p="http://schemas.openxmlformats.org/presentationml/2006/main" xmlns:r="http://schemas.openxmlformats.org/officeDocument/2006/relationships" xmlns:p14="http://schemas.microsoft.com/office/powerpoint/2010/main" xmlns:p15="http://schemas.microsoft.com/office/powerpoint/2012/main" xmlns:mc="http://schemas.openxmlformats.org/markup-compatibility/2006" type="titleOnly" preserve="1">
+<p:sldLayout xmlns:a="http://schemas.openxmlformats.org/drawingml/2006/main" xmlns:r="http://schemas.openxmlformats.org/officeDocument/2006/relationships" xmlns:p="http://schemas.openxmlformats.org/presentationml/2006/main" type="titleOnly" preserve="1">
   <p:cSld name="Title Only">
     <p:spTree>
       <p:nvGrpSpPr>
@@ -870,12 +983,12 @@
           </a:prstGeom>
         </p:spPr>
         <p:txBody>
-          <a:bodyPr lIns="0" rIns="0" tIns="0" bIns="0" anchor="ctr">
+          <a:bodyPr lIns="0" tIns="0" rIns="0" bIns="0" anchor="ctr">
             <a:noAutofit/>
           </a:bodyPr>
           <a:p>
             <a:pPr algn="ctr"/>
-            <a:endParaRPr b="0" lang="fr-FR" sz="4400" spc="-1" strike="noStrike">
+            <a:endParaRPr lang="fr-FR" sz="4400" b="0" strike="noStrike" spc="-1">
               <a:latin typeface="Arial"/>
             </a:endParaRPr>
           </a:p>
@@ -883,11 +996,14 @@
       </p:sp>
     </p:spTree>
   </p:cSld>
+  <p:clrMapOvr>
+    <a:masterClrMapping/>
+  </p:clrMapOvr>
 </p:sldLayout>
 </file>
 
 <file path=ppt/slideLayouts/slideLayout6.xml><?xml version="1.0" encoding="utf-8"?>
-<p:sldLayout xmlns:a="http://schemas.openxmlformats.org/drawingml/2006/main" xmlns:p="http://schemas.openxmlformats.org/presentationml/2006/main" xmlns:r="http://schemas.openxmlformats.org/officeDocument/2006/relationships" xmlns:p14="http://schemas.microsoft.com/office/powerpoint/2010/main" xmlns:p15="http://schemas.microsoft.com/office/powerpoint/2012/main" xmlns:mc="http://schemas.openxmlformats.org/markup-compatibility/2006" type="objOnly" preserve="1">
+<p:sldLayout xmlns:a="http://schemas.openxmlformats.org/drawingml/2006/main" xmlns:r="http://schemas.openxmlformats.org/officeDocument/2006/relationships" xmlns:p="http://schemas.openxmlformats.org/presentationml/2006/main" type="objOnly" preserve="1">
   <p:cSld name="Centered Text">
     <p:spTree>
       <p:nvGrpSpPr>
@@ -923,12 +1039,12 @@
           </a:prstGeom>
         </p:spPr>
         <p:txBody>
-          <a:bodyPr lIns="0" rIns="0" tIns="0" bIns="0" anchor="ctr">
+          <a:bodyPr lIns="0" tIns="0" rIns="0" bIns="0" anchor="ctr">
             <a:noAutofit/>
           </a:bodyPr>
           <a:p>
             <a:pPr algn="ctr"/>
-            <a:endParaRPr b="0" lang="fr-FR" sz="3200" spc="-1" strike="noStrike">
+            <a:endParaRPr lang="fr-FR" sz="3200" b="0" strike="noStrike" spc="-1">
               <a:latin typeface="Arial"/>
             </a:endParaRPr>
           </a:p>
@@ -936,11 +1052,14 @@
       </p:sp>
     </p:spTree>
   </p:cSld>
+  <p:clrMapOvr>
+    <a:masterClrMapping/>
+  </p:clrMapOvr>
 </p:sldLayout>
 </file>
 
 <file path=ppt/slideLayouts/slideLayout7.xml><?xml version="1.0" encoding="utf-8"?>
-<p:sldLayout xmlns:a="http://schemas.openxmlformats.org/drawingml/2006/main" xmlns:p="http://schemas.openxmlformats.org/presentationml/2006/main" xmlns:r="http://schemas.openxmlformats.org/officeDocument/2006/relationships" xmlns:p14="http://schemas.microsoft.com/office/powerpoint/2010/main" xmlns:p15="http://schemas.microsoft.com/office/powerpoint/2012/main" xmlns:mc="http://schemas.openxmlformats.org/markup-compatibility/2006" type="twoObjAndObj" preserve="1">
+<p:sldLayout xmlns:a="http://schemas.openxmlformats.org/drawingml/2006/main" xmlns:r="http://schemas.openxmlformats.org/officeDocument/2006/relationships" xmlns:p="http://schemas.openxmlformats.org/presentationml/2006/main" type="twoObjAndObj" preserve="1">
   <p:cSld name="Title, 2 Content and Content">
     <p:spTree>
       <p:nvGrpSpPr>
@@ -976,12 +1095,12 @@
           </a:prstGeom>
         </p:spPr>
         <p:txBody>
-          <a:bodyPr lIns="0" rIns="0" tIns="0" bIns="0" anchor="ctr">
+          <a:bodyPr lIns="0" tIns="0" rIns="0" bIns="0" anchor="ctr">
             <a:noAutofit/>
           </a:bodyPr>
           <a:p>
             <a:pPr algn="ctr"/>
-            <a:endParaRPr b="0" lang="fr-FR" sz="4400" spc="-1" strike="noStrike">
+            <a:endParaRPr lang="fr-FR" sz="4400" b="0" strike="noStrike" spc="-1">
               <a:latin typeface="Arial"/>
             </a:endParaRPr>
           </a:p>
@@ -1007,11 +1126,11 @@
           </a:prstGeom>
         </p:spPr>
         <p:txBody>
-          <a:bodyPr lIns="0" rIns="0" tIns="0" bIns="0">
-            <a:normAutofit/>
-          </a:bodyPr>
-          <a:p>
-            <a:endParaRPr b="0" lang="fr-FR" sz="3200" spc="-1" strike="noStrike">
+          <a:bodyPr lIns="0" tIns="0" rIns="0" bIns="0">
+            <a:normAutofit/>
+          </a:bodyPr>
+          <a:p>
+            <a:endParaRPr lang="fr-FR" sz="3200" b="0" strike="noStrike" spc="-1">
               <a:latin typeface="Arial"/>
             </a:endParaRPr>
           </a:p>
@@ -1037,11 +1156,11 @@
           </a:prstGeom>
         </p:spPr>
         <p:txBody>
-          <a:bodyPr lIns="0" rIns="0" tIns="0" bIns="0">
-            <a:normAutofit/>
-          </a:bodyPr>
-          <a:p>
-            <a:endParaRPr b="0" lang="fr-FR" sz="3200" spc="-1" strike="noStrike">
+          <a:bodyPr lIns="0" tIns="0" rIns="0" bIns="0">
+            <a:normAutofit/>
+          </a:bodyPr>
+          <a:p>
+            <a:endParaRPr lang="fr-FR" sz="3200" b="0" strike="noStrike" spc="-1">
               <a:latin typeface="Arial"/>
             </a:endParaRPr>
           </a:p>
@@ -1067,11 +1186,11 @@
           </a:prstGeom>
         </p:spPr>
         <p:txBody>
-          <a:bodyPr lIns="0" rIns="0" tIns="0" bIns="0">
-            <a:normAutofit/>
-          </a:bodyPr>
-          <a:p>
-            <a:endParaRPr b="0" lang="fr-FR" sz="3200" spc="-1" strike="noStrike">
+          <a:bodyPr lIns="0" tIns="0" rIns="0" bIns="0">
+            <a:normAutofit/>
+          </a:bodyPr>
+          <a:p>
+            <a:endParaRPr lang="fr-FR" sz="3200" b="0" strike="noStrike" spc="-1">
               <a:latin typeface="Arial"/>
             </a:endParaRPr>
           </a:p>
@@ -1079,11 +1198,14 @@
       </p:sp>
     </p:spTree>
   </p:cSld>
+  <p:clrMapOvr>
+    <a:masterClrMapping/>
+  </p:clrMapOvr>
 </p:sldLayout>
 </file>
 
 <file path=ppt/slideLayouts/slideLayout8.xml><?xml version="1.0" encoding="utf-8"?>
-<p:sldLayout xmlns:a="http://schemas.openxmlformats.org/drawingml/2006/main" xmlns:p="http://schemas.openxmlformats.org/presentationml/2006/main" xmlns:r="http://schemas.openxmlformats.org/officeDocument/2006/relationships" xmlns:p14="http://schemas.microsoft.com/office/powerpoint/2010/main" xmlns:p15="http://schemas.microsoft.com/office/powerpoint/2012/main" xmlns:mc="http://schemas.openxmlformats.org/markup-compatibility/2006" type="objAndTwoObj" preserve="1">
+<p:sldLayout xmlns:a="http://schemas.openxmlformats.org/drawingml/2006/main" xmlns:r="http://schemas.openxmlformats.org/officeDocument/2006/relationships" xmlns:p="http://schemas.openxmlformats.org/presentationml/2006/main" type="objAndTwoObj" preserve="1">
   <p:cSld name="Title Content and 2 Content">
     <p:spTree>
       <p:nvGrpSpPr>
@@ -1119,12 +1241,12 @@
           </a:prstGeom>
         </p:spPr>
         <p:txBody>
-          <a:bodyPr lIns="0" rIns="0" tIns="0" bIns="0" anchor="ctr">
+          <a:bodyPr lIns="0" tIns="0" rIns="0" bIns="0" anchor="ctr">
             <a:noAutofit/>
           </a:bodyPr>
           <a:p>
             <a:pPr algn="ctr"/>
-            <a:endParaRPr b="0" lang="fr-FR" sz="4400" spc="-1" strike="noStrike">
+            <a:endParaRPr lang="fr-FR" sz="4400" b="0" strike="noStrike" spc="-1">
               <a:latin typeface="Arial"/>
             </a:endParaRPr>
           </a:p>
@@ -1150,11 +1272,11 @@
           </a:prstGeom>
         </p:spPr>
         <p:txBody>
-          <a:bodyPr lIns="0" rIns="0" tIns="0" bIns="0">
-            <a:normAutofit/>
-          </a:bodyPr>
-          <a:p>
-            <a:endParaRPr b="0" lang="fr-FR" sz="3200" spc="-1" strike="noStrike">
+          <a:bodyPr lIns="0" tIns="0" rIns="0" bIns="0">
+            <a:normAutofit/>
+          </a:bodyPr>
+          <a:p>
+            <a:endParaRPr lang="fr-FR" sz="3200" b="0" strike="noStrike" spc="-1">
               <a:latin typeface="Arial"/>
             </a:endParaRPr>
           </a:p>
@@ -1180,11 +1302,11 @@
           </a:prstGeom>
         </p:spPr>
         <p:txBody>
-          <a:bodyPr lIns="0" rIns="0" tIns="0" bIns="0">
-            <a:normAutofit/>
-          </a:bodyPr>
-          <a:p>
-            <a:endParaRPr b="0" lang="fr-FR" sz="3200" spc="-1" strike="noStrike">
+          <a:bodyPr lIns="0" tIns="0" rIns="0" bIns="0">
+            <a:normAutofit/>
+          </a:bodyPr>
+          <a:p>
+            <a:endParaRPr lang="fr-FR" sz="3200" b="0" strike="noStrike" spc="-1">
               <a:latin typeface="Arial"/>
             </a:endParaRPr>
           </a:p>
@@ -1210,11 +1332,11 @@
           </a:prstGeom>
         </p:spPr>
         <p:txBody>
-          <a:bodyPr lIns="0" rIns="0" tIns="0" bIns="0">
-            <a:normAutofit/>
-          </a:bodyPr>
-          <a:p>
-            <a:endParaRPr b="0" lang="fr-FR" sz="3200" spc="-1" strike="noStrike">
+          <a:bodyPr lIns="0" tIns="0" rIns="0" bIns="0">
+            <a:normAutofit/>
+          </a:bodyPr>
+          <a:p>
+            <a:endParaRPr lang="fr-FR" sz="3200" b="0" strike="noStrike" spc="-1">
               <a:latin typeface="Arial"/>
             </a:endParaRPr>
           </a:p>
@@ -1222,11 +1344,14 @@
       </p:sp>
     </p:spTree>
   </p:cSld>
+  <p:clrMapOvr>
+    <a:masterClrMapping/>
+  </p:clrMapOvr>
 </p:sldLayout>
 </file>
 
 <file path=ppt/slideLayouts/slideLayout9.xml><?xml version="1.0" encoding="utf-8"?>
-<p:sldLayout xmlns:a="http://schemas.openxmlformats.org/drawingml/2006/main" xmlns:p="http://schemas.openxmlformats.org/presentationml/2006/main" xmlns:r="http://schemas.openxmlformats.org/officeDocument/2006/relationships" xmlns:p14="http://schemas.microsoft.com/office/powerpoint/2010/main" xmlns:p15="http://schemas.microsoft.com/office/powerpoint/2012/main" xmlns:mc="http://schemas.openxmlformats.org/markup-compatibility/2006" type="twoObjOverTx" preserve="1">
+<p:sldLayout xmlns:a="http://schemas.openxmlformats.org/drawingml/2006/main" xmlns:r="http://schemas.openxmlformats.org/officeDocument/2006/relationships" xmlns:p="http://schemas.openxmlformats.org/presentationml/2006/main" type="twoObjOverTx" preserve="1">
   <p:cSld name="Title, 2 Content over Content">
     <p:spTree>
       <p:nvGrpSpPr>
@@ -1262,12 +1387,12 @@
           </a:prstGeom>
         </p:spPr>
         <p:txBody>
-          <a:bodyPr lIns="0" rIns="0" tIns="0" bIns="0" anchor="ctr">
+          <a:bodyPr lIns="0" tIns="0" rIns="0" bIns="0" anchor="ctr">
             <a:noAutofit/>
           </a:bodyPr>
           <a:p>
             <a:pPr algn="ctr"/>
-            <a:endParaRPr b="0" lang="fr-FR" sz="4400" spc="-1" strike="noStrike">
+            <a:endParaRPr lang="fr-FR" sz="4400" b="0" strike="noStrike" spc="-1">
               <a:latin typeface="Arial"/>
             </a:endParaRPr>
           </a:p>
@@ -1293,11 +1418,11 @@
           </a:prstGeom>
         </p:spPr>
         <p:txBody>
-          <a:bodyPr lIns="0" rIns="0" tIns="0" bIns="0">
-            <a:normAutofit/>
-          </a:bodyPr>
-          <a:p>
-            <a:endParaRPr b="0" lang="fr-FR" sz="3200" spc="-1" strike="noStrike">
+          <a:bodyPr lIns="0" tIns="0" rIns="0" bIns="0">
+            <a:normAutofit/>
+          </a:bodyPr>
+          <a:p>
+            <a:endParaRPr lang="fr-FR" sz="3200" b="0" strike="noStrike" spc="-1">
               <a:latin typeface="Arial"/>
             </a:endParaRPr>
           </a:p>
@@ -1323,11 +1448,11 @@
           </a:prstGeom>
         </p:spPr>
         <p:txBody>
-          <a:bodyPr lIns="0" rIns="0" tIns="0" bIns="0">
-            <a:normAutofit/>
-          </a:bodyPr>
-          <a:p>
-            <a:endParaRPr b="0" lang="fr-FR" sz="3200" spc="-1" strike="noStrike">
+          <a:bodyPr lIns="0" tIns="0" rIns="0" bIns="0">
+            <a:normAutofit/>
+          </a:bodyPr>
+          <a:p>
+            <a:endParaRPr lang="fr-FR" sz="3200" b="0" strike="noStrike" spc="-1">
               <a:latin typeface="Arial"/>
             </a:endParaRPr>
           </a:p>
@@ -1353,11 +1478,11 @@
           </a:prstGeom>
         </p:spPr>
         <p:txBody>
-          <a:bodyPr lIns="0" rIns="0" tIns="0" bIns="0">
-            <a:normAutofit/>
-          </a:bodyPr>
-          <a:p>
-            <a:endParaRPr b="0" lang="fr-FR" sz="3200" spc="-1" strike="noStrike">
+          <a:bodyPr lIns="0" tIns="0" rIns="0" bIns="0">
+            <a:normAutofit/>
+          </a:bodyPr>
+          <a:p>
+            <a:endParaRPr lang="fr-FR" sz="3200" b="0" strike="noStrike" spc="-1">
               <a:latin typeface="Arial"/>
             </a:endParaRPr>
           </a:p>
@@ -1365,17 +1490,21 @@
       </p:sp>
     </p:spTree>
   </p:cSld>
+  <p:clrMapOvr>
+    <a:masterClrMapping/>
+  </p:clrMapOvr>
 </p:sldLayout>
 </file>
 
 <file path=ppt/slideMasters/slideMaster1.xml><?xml version="1.0" encoding="utf-8"?>
-<p:sldMaster xmlns:a="http://schemas.openxmlformats.org/drawingml/2006/main" xmlns:p="http://schemas.openxmlformats.org/presentationml/2006/main" xmlns:r="http://schemas.openxmlformats.org/officeDocument/2006/relationships" xmlns:p14="http://schemas.microsoft.com/office/powerpoint/2010/main" xmlns:p15="http://schemas.microsoft.com/office/powerpoint/2012/main" xmlns:mc="http://schemas.openxmlformats.org/markup-compatibility/2006">
+<p:sldMaster xmlns:a="http://schemas.openxmlformats.org/drawingml/2006/main" xmlns:r="http://schemas.openxmlformats.org/officeDocument/2006/relationships" xmlns:p="http://schemas.openxmlformats.org/presentationml/2006/main">
   <p:cSld>
     <p:bg>
       <p:bgPr>
         <a:solidFill>
-          <a:srgbClr val="ffffff"/>
+          <a:srgbClr val="FFFFFF"/>
         </a:solidFill>
+        <a:effectLst/>
       </p:bgPr>
     </p:bg>
     <p:spTree>
@@ -1412,50 +1541,26 @@
           </a:prstGeom>
         </p:spPr>
         <p:txBody>
-          <a:bodyPr lIns="0" rIns="0" tIns="0" bIns="0" anchor="ctr">
+          <a:bodyPr lIns="0" tIns="0" rIns="0" bIns="0" anchor="ctr">
             <a:noAutofit/>
           </a:bodyPr>
           <a:p>
             <a:pPr algn="ctr"/>
             <a:r>
-              <a:rPr b="0" lang="fr-FR" sz="4400" spc="-1" strike="noStrike">
+              <a:rPr lang="fr-FR" sz="4400" b="0" strike="noStrike" spc="-1">
                 <a:latin typeface="Arial"/>
               </a:rPr>
-              <a:t>Cliquez </a:t>
+              <a:t>Cliquez pour éditer le format du texte-titre</a:t>
             </a:r>
-            <a:r>
-              <a:rPr b="0" lang="fr-FR" sz="4400" spc="-1" strike="noStrike">
-                <a:latin typeface="Arial"/>
-              </a:rPr>
-              <a:t>pour </a:t>
-            </a:r>
-            <a:r>
-              <a:rPr b="0" lang="fr-FR" sz="4400" spc="-1" strike="noStrike">
-                <a:latin typeface="Arial"/>
-              </a:rPr>
-              <a:t>éditer le </a:t>
-            </a:r>
-            <a:r>
-              <a:rPr b="0" lang="fr-FR" sz="4400" spc="-1" strike="noStrike">
-                <a:latin typeface="Arial"/>
-              </a:rPr>
-              <a:t>format du </a:t>
-            </a:r>
-            <a:r>
-              <a:rPr b="0" lang="fr-FR" sz="4400" spc="-1" strike="noStrike">
-                <a:latin typeface="Arial"/>
-              </a:rPr>
-              <a:t>texte-titre</a:t>
-            </a:r>
-            <a:endParaRPr b="0" lang="fr-FR" sz="4400" spc="-1" strike="noStrike">
-              <a:latin typeface="Arial"/>
-            </a:endParaRPr>
-          </a:p>
-        </p:txBody>
-      </p:sp>
-      <p:sp>
-        <p:nvSpPr>
-          <p:cNvPr id="1" name="PlaceHolder 2"/>
+            <a:endParaRPr lang="fr-FR" sz="4400" b="0" strike="noStrike" spc="-1">
+              <a:latin typeface="Arial"/>
+            </a:endParaRPr>
+          </a:p>
+        </p:txBody>
+      </p:sp>
+      <p:sp>
+        <p:nvSpPr>
+          <p:cNvPr id="2" name="PlaceHolder 2"/>
           <p:cNvSpPr>
             <a:spLocks noGrp="1"/>
           </p:cNvSpPr>
@@ -1473,35 +1578,35 @@
           </a:prstGeom>
         </p:spPr>
         <p:txBody>
-          <a:bodyPr lIns="0" rIns="0" tIns="0" bIns="0">
-            <a:normAutofit/>
-          </a:bodyPr>
-          <a:p>
-            <a:pPr marL="432000" indent="-324000">
+          <a:bodyPr lIns="0" tIns="0" rIns="0" bIns="0">
+            <a:normAutofit/>
+          </a:bodyPr>
+          <a:p>
+            <a:pPr marL="431800" indent="-323850">
               <a:spcBef>
-                <a:spcPts val="1417"/>
+                <a:spcPts val="1415"/>
               </a:spcBef>
               <a:buClr>
                 <a:srgbClr val="000000"/>
               </a:buClr>
               <a:buSzPct val="45000"/>
-              <a:buFont typeface="Wingdings" charset="2"/>
+              <a:buFont typeface="Wingdings" panose="05000000000000000000" pitchFamily="2" charset="2"/>
               <a:buChar char=""/>
             </a:pPr>
             <a:r>
-              <a:rPr b="0" lang="fr-FR" sz="3200" spc="-1" strike="noStrike">
+              <a:rPr lang="fr-FR" sz="3200" b="0" strike="noStrike" spc="-1">
                 <a:latin typeface="Arial"/>
               </a:rPr>
               <a:t>Cliquez pour éditer le format du plan de texte</a:t>
             </a:r>
-            <a:endParaRPr b="0" lang="fr-FR" sz="3200" spc="-1" strike="noStrike">
-              <a:latin typeface="Arial"/>
-            </a:endParaRPr>
-          </a:p>
-          <a:p>
-            <a:pPr lvl="1" marL="864000" indent="-324000">
+            <a:endParaRPr lang="fr-FR" sz="3200" b="0" strike="noStrike" spc="-1">
+              <a:latin typeface="Arial"/>
+            </a:endParaRPr>
+          </a:p>
+          <a:p>
+            <a:pPr marL="864235" lvl="1" indent="-323850">
               <a:spcBef>
-                <a:spcPts val="1134"/>
+                <a:spcPts val="1135"/>
               </a:spcBef>
               <a:buClr>
                 <a:srgbClr val="000000"/>
@@ -1511,17 +1616,17 @@
               <a:buChar char=""/>
             </a:pPr>
             <a:r>
-              <a:rPr b="0" lang="fr-FR" sz="2800" spc="-1" strike="noStrike">
+              <a:rPr lang="fr-FR" sz="2800" b="0" strike="noStrike" spc="-1">
                 <a:latin typeface="Arial"/>
               </a:rPr>
               <a:t>Second niveau de plan</a:t>
             </a:r>
-            <a:endParaRPr b="0" lang="fr-FR" sz="2800" spc="-1" strike="noStrike">
-              <a:latin typeface="Arial"/>
-            </a:endParaRPr>
-          </a:p>
-          <a:p>
-            <a:pPr lvl="2" marL="1296000" indent="-288000">
+            <a:endParaRPr lang="fr-FR" sz="2800" b="0" strike="noStrike" spc="-1">
+              <a:latin typeface="Arial"/>
+            </a:endParaRPr>
+          </a:p>
+          <a:p>
+            <a:pPr marL="1296035" lvl="2" indent="-288290">
               <a:spcBef>
                 <a:spcPts val="850"/>
               </a:spcBef>
@@ -1529,23 +1634,23 @@
                 <a:srgbClr val="000000"/>
               </a:buClr>
               <a:buSzPct val="45000"/>
-              <a:buFont typeface="Wingdings" charset="2"/>
+              <a:buFont typeface="Wingdings" panose="05000000000000000000" pitchFamily="2" charset="2"/>
               <a:buChar char=""/>
             </a:pPr>
             <a:r>
-              <a:rPr b="0" lang="fr-FR" sz="2400" spc="-1" strike="noStrike">
+              <a:rPr lang="fr-FR" sz="2400" b="0" strike="noStrike" spc="-1">
                 <a:latin typeface="Arial"/>
               </a:rPr>
               <a:t>Troisième niveau de plan</a:t>
             </a:r>
-            <a:endParaRPr b="0" lang="fr-FR" sz="2400" spc="-1" strike="noStrike">
-              <a:latin typeface="Arial"/>
-            </a:endParaRPr>
-          </a:p>
-          <a:p>
-            <a:pPr lvl="3" marL="1728000" indent="-216000">
+            <a:endParaRPr lang="fr-FR" sz="2400" b="0" strike="noStrike" spc="-1">
+              <a:latin typeface="Arial"/>
+            </a:endParaRPr>
+          </a:p>
+          <a:p>
+            <a:pPr marL="1727835" lvl="3" indent="-215900">
               <a:spcBef>
-                <a:spcPts val="567"/>
+                <a:spcPts val="565"/>
               </a:spcBef>
               <a:buClr>
                 <a:srgbClr val="000000"/>
@@ -1555,78 +1660,78 @@
               <a:buChar char=""/>
             </a:pPr>
             <a:r>
-              <a:rPr b="0" lang="fr-FR" sz="2000" spc="-1" strike="noStrike">
+              <a:rPr lang="fr-FR" sz="2000" b="0" strike="noStrike" spc="-1">
                 <a:latin typeface="Arial"/>
               </a:rPr>
               <a:t>Quatrième niveau de plan</a:t>
             </a:r>
-            <a:endParaRPr b="0" lang="fr-FR" sz="2000" spc="-1" strike="noStrike">
-              <a:latin typeface="Arial"/>
-            </a:endParaRPr>
-          </a:p>
-          <a:p>
-            <a:pPr lvl="4" marL="2160000" indent="-216000">
+            <a:endParaRPr lang="fr-FR" sz="2000" b="0" strike="noStrike" spc="-1">
+              <a:latin typeface="Arial"/>
+            </a:endParaRPr>
+          </a:p>
+          <a:p>
+            <a:pPr marL="2160270" lvl="4" indent="-215900">
               <a:spcBef>
-                <a:spcPts val="283"/>
+                <a:spcPts val="285"/>
               </a:spcBef>
               <a:buClr>
                 <a:srgbClr val="000000"/>
               </a:buClr>
               <a:buSzPct val="45000"/>
-              <a:buFont typeface="Wingdings" charset="2"/>
+              <a:buFont typeface="Wingdings" panose="05000000000000000000" pitchFamily="2" charset="2"/>
               <a:buChar char=""/>
             </a:pPr>
             <a:r>
-              <a:rPr b="0" lang="fr-FR" sz="2000" spc="-1" strike="noStrike">
+              <a:rPr lang="fr-FR" sz="2000" b="0" strike="noStrike" spc="-1">
                 <a:latin typeface="Arial"/>
               </a:rPr>
               <a:t>Cinquième niveau de plan</a:t>
             </a:r>
-            <a:endParaRPr b="0" lang="fr-FR" sz="2000" spc="-1" strike="noStrike">
-              <a:latin typeface="Arial"/>
-            </a:endParaRPr>
-          </a:p>
-          <a:p>
-            <a:pPr lvl="5" marL="2592000" indent="-216000">
+            <a:endParaRPr lang="fr-FR" sz="2000" b="0" strike="noStrike" spc="-1">
+              <a:latin typeface="Arial"/>
+            </a:endParaRPr>
+          </a:p>
+          <a:p>
+            <a:pPr marL="2592070" lvl="5" indent="-215900">
               <a:spcBef>
-                <a:spcPts val="283"/>
+                <a:spcPts val="285"/>
               </a:spcBef>
               <a:buClr>
                 <a:srgbClr val="000000"/>
               </a:buClr>
               <a:buSzPct val="45000"/>
-              <a:buFont typeface="Wingdings" charset="2"/>
+              <a:buFont typeface="Wingdings" panose="05000000000000000000" pitchFamily="2" charset="2"/>
               <a:buChar char=""/>
             </a:pPr>
             <a:r>
-              <a:rPr b="0" lang="fr-FR" sz="2000" spc="-1" strike="noStrike">
+              <a:rPr lang="fr-FR" sz="2000" b="0" strike="noStrike" spc="-1">
                 <a:latin typeface="Arial"/>
               </a:rPr>
               <a:t>Sixième niveau de plan</a:t>
             </a:r>
-            <a:endParaRPr b="0" lang="fr-FR" sz="2000" spc="-1" strike="noStrike">
-              <a:latin typeface="Arial"/>
-            </a:endParaRPr>
-          </a:p>
-          <a:p>
-            <a:pPr lvl="6" marL="3024000" indent="-216000">
+            <a:endParaRPr lang="fr-FR" sz="2000" b="0" strike="noStrike" spc="-1">
+              <a:latin typeface="Arial"/>
+            </a:endParaRPr>
+          </a:p>
+          <a:p>
+            <a:pPr marL="3023870" lvl="6" indent="-215900">
               <a:spcBef>
-                <a:spcPts val="283"/>
+                <a:spcPts val="285"/>
               </a:spcBef>
               <a:buClr>
                 <a:srgbClr val="000000"/>
               </a:buClr>
               <a:buSzPct val="45000"/>
-              <a:buFont typeface="Wingdings" charset="2"/>
+              <a:buFont typeface="Wingdings" panose="05000000000000000000" pitchFamily="2" charset="2"/>
               <a:buChar char=""/>
             </a:pPr>
             <a:r>
-              <a:rPr b="0" lang="fr-FR" sz="2000" spc="-1" strike="noStrike">
+              <a:rPr lang="fr-FR" sz="2000" b="0" strike="noStrike" spc="-1">
                 <a:latin typeface="Arial"/>
               </a:rPr>
               <a:t>Septième niveau de plan</a:t>
             </a:r>
-            <a:endParaRPr b="0" lang="fr-FR" sz="2000" spc="-1" strike="noStrike">
+            <a:endParaRPr lang="fr-FR" sz="2000" b="0" strike="noStrike" spc="-1">
               <a:latin typeface="Arial"/>
             </a:endParaRPr>
           </a:p>
@@ -1634,26 +1739,31 @@
       </p:sp>
     </p:spTree>
   </p:cSld>
-  <p:clrMap bg1="lt1" bg2="lt2" tx1="dk1" tx2="dk2" accent1="accent1" accent2="accent2" accent3="accent3" accent4="accent4" accent5="accent5" accent6="accent6" hlink="hlink" folHlink="folHlink"/>
+  <p:clrMap bg1="lt1" tx1="dk1" bg2="lt2" tx2="dk2" accent1="accent1" accent2="accent2" accent3="accent3" accent4="accent4" accent5="accent5" accent6="accent6" hlink="hlink" folHlink="folHlink"/>
   <p:sldLayoutIdLst>
-    <p:sldLayoutId id="2147483649" r:id="rId2"/>
-    <p:sldLayoutId id="2147483650" r:id="rId3"/>
-    <p:sldLayoutId id="2147483651" r:id="rId4"/>
-    <p:sldLayoutId id="2147483652" r:id="rId5"/>
-    <p:sldLayoutId id="2147483653" r:id="rId6"/>
-    <p:sldLayoutId id="2147483654" r:id="rId7"/>
-    <p:sldLayoutId id="2147483655" r:id="rId8"/>
-    <p:sldLayoutId id="2147483656" r:id="rId9"/>
-    <p:sldLayoutId id="2147483657" r:id="rId10"/>
-    <p:sldLayoutId id="2147483658" r:id="rId11"/>
-    <p:sldLayoutId id="2147483659" r:id="rId12"/>
-    <p:sldLayoutId id="2147483660" r:id="rId13"/>
+    <p:sldLayoutId id="2147483649" r:id="rId1"/>
+    <p:sldLayoutId id="2147483650" r:id="rId2"/>
+    <p:sldLayoutId id="2147483651" r:id="rId3"/>
+    <p:sldLayoutId id="2147483652" r:id="rId4"/>
+    <p:sldLayoutId id="2147483653" r:id="rId5"/>
+    <p:sldLayoutId id="2147483654" r:id="rId6"/>
+    <p:sldLayoutId id="2147483655" r:id="rId7"/>
+    <p:sldLayoutId id="2147483656" r:id="rId8"/>
+    <p:sldLayoutId id="2147483657" r:id="rId9"/>
+    <p:sldLayoutId id="2147483658" r:id="rId10"/>
+    <p:sldLayoutId id="2147483659" r:id="rId11"/>
+    <p:sldLayoutId id="2147483660" r:id="rId12"/>
   </p:sldLayoutIdLst>
+  <p:txStyles>
+    <p:titleStyle/>
+    <p:bodyStyle/>
+    <p:otherStyle/>
+  </p:txStyles>
 </p:sldMaster>
 </file>
 
 <file path=ppt/slides/slide1.xml><?xml version="1.0" encoding="utf-8"?>
-<p:sld xmlns:a="http://schemas.openxmlformats.org/drawingml/2006/main" xmlns:p="http://schemas.openxmlformats.org/presentationml/2006/main" xmlns:r="http://schemas.openxmlformats.org/officeDocument/2006/relationships" xmlns:p14="http://schemas.microsoft.com/office/powerpoint/2010/main" xmlns:p15="http://schemas.microsoft.com/office/powerpoint/2012/main" xmlns:mc="http://schemas.openxmlformats.org/markup-compatibility/2006">
+<p:sld xmlns:a="http://schemas.openxmlformats.org/drawingml/2006/main" xmlns:r="http://schemas.openxmlformats.org/officeDocument/2006/relationships" xmlns:p="http://schemas.openxmlformats.org/presentationml/2006/main">
   <p:cSld>
     <p:spTree>
       <p:nvGrpSpPr>
@@ -1689,13 +1799,19 @@
           </a:ln>
         </p:spPr>
         <p:style>
-          <a:lnRef idx="0"/>
-          <a:fillRef idx="0"/>
-          <a:effectRef idx="0"/>
+          <a:lnRef idx="0">
+            <a:srgbClr val="FFFFFF"/>
+          </a:lnRef>
+          <a:fillRef idx="0">
+            <a:srgbClr val="FFFFFF"/>
+          </a:fillRef>
+          <a:effectRef idx="0">
+            <a:srgbClr val="FFFFFF"/>
+          </a:effectRef>
           <a:fontRef idx="minor"/>
         </p:style>
         <p:txBody>
-          <a:bodyPr lIns="90000" rIns="90000" tIns="45000" bIns="45000" anchor="ctr">
+          <a:bodyPr lIns="90000" tIns="45000" rIns="90000" bIns="45000" anchor="ctr">
             <a:noAutofit/>
           </a:bodyPr>
           <a:p>
@@ -1705,25 +1821,42 @@
               </a:lnSpc>
             </a:pPr>
             <a:r>
-              <a:rPr b="0" lang="en-US" sz="4400" spc="-1" strike="noStrike">
+              <a:rPr lang="en-US" sz="4400" b="0" strike="noStrike" spc="-1">
                 <a:solidFill>
                   <a:srgbClr val="000000"/>
                 </a:solidFill>
                 <a:latin typeface="游ゴシック Light"/>
-                <a:ea typeface="DejaVu Sans"/>
+                <a:ea typeface="DejaVu Sans" panose="020B0603030804020204"/>
               </a:rPr>
-              <a:t>Project for {client_name}</a:t>
+              <a:t>Project fo</a:t>
             </a:r>
-            <a:endParaRPr b="0" lang="fr-FR" sz="4400" spc="-1" strike="noStrike">
-              <a:latin typeface="Arial"/>
+            <a:r>
+              <a:rPr lang="fr-FR" altLang="en-US" sz="4400" b="0" strike="noStrike" spc="-1">
+                <a:solidFill>
+                  <a:srgbClr val="000000"/>
+                </a:solidFill>
+                <a:latin typeface="游ゴシック Light"/>
+                <a:ea typeface="DejaVu Sans" panose="020B0603030804020204"/>
+              </a:rPr>
+              <a:t>r {{ client_name }}</a:t>
+            </a:r>
+            <a:endParaRPr lang="fr-FR" altLang="en-US" sz="4400" b="0" strike="noStrike" spc="-1">
+              <a:solidFill>
+                <a:srgbClr val="000000"/>
+              </a:solidFill>
+              <a:latin typeface="游ゴシック Light"/>
+              <a:ea typeface="DejaVu Sans" panose="020B0603030804020204"/>
             </a:endParaRPr>
           </a:p>
         </p:txBody>
       </p:sp>
     </p:spTree>
   </p:cSld>
-  <mc:AlternateContent>
-    <mc:Choice Requires="p14">
+  <p:clrMapOvr>
+    <a:masterClrMapping/>
+  </p:clrMapOvr>
+  <mc:AlternateContent xmlns:mc="http://schemas.openxmlformats.org/markup-compatibility/2006">
+    <mc:Choice xmlns:p14="http://schemas.microsoft.com/office/powerpoint/2010/main" Requires="p14">
       <p:transition spd="slow" p14:dur="2000"/>
     </mc:Choice>
     <mc:Fallback>
@@ -1744,34 +1877,34 @@
         <a:sysClr val="window" lastClr="FFFFFF"/>
       </a:lt1>
       <a:dk2>
-        <a:srgbClr val="44546a"/>
+        <a:srgbClr val="44546A"/>
       </a:dk2>
       <a:lt2>
-        <a:srgbClr val="e7e6e6"/>
+        <a:srgbClr val="E7E6E6"/>
       </a:lt2>
       <a:accent1>
-        <a:srgbClr val="5b9bd5"/>
+        <a:srgbClr val="5B9BD5"/>
       </a:accent1>
       <a:accent2>
-        <a:srgbClr val="ed7d31"/>
+        <a:srgbClr val="ED7D31"/>
       </a:accent2>
       <a:accent3>
-        <a:srgbClr val="a5a5a5"/>
+        <a:srgbClr val="A5A5A5"/>
       </a:accent3>
       <a:accent4>
-        <a:srgbClr val="ffc000"/>
+        <a:srgbClr val="FFC000"/>
       </a:accent4>
       <a:accent5>
-        <a:srgbClr val="4472c4"/>
+        <a:srgbClr val="4472C4"/>
       </a:accent5>
       <a:accent6>
-        <a:srgbClr val="70ad47"/>
+        <a:srgbClr val="70AD47"/>
       </a:accent6>
       <a:hlink>
-        <a:srgbClr val="0563c1"/>
+        <a:srgbClr val="0563C1"/>
       </a:hlink>
       <a:folHlink>
-        <a:srgbClr val="954f72"/>
+        <a:srgbClr val="954F72"/>
       </a:folHlink>
     </a:clrScheme>
     <a:fontScheme name="Office">
@@ -1956,5 +2089,10 @@
       </a:bgFillStyleLst>
     </a:fmtScheme>
   </a:themeElements>
+  <a:extLst>
+    <a:ext uri="{05A4C25C-085E-4340-85A3-A5531E510DB2}">
+      <thm15:themeFamily xmlns:thm15="http://schemas.microsoft.com/office/thememl/2012/main" name="Office Theme" id="{62F939B6-93AF-4DB8-9C6B-D6C7DFDC589F}" vid="{4A3C46E8-61CC-4603-A589-7422A47A8E4A}"/>
+    </a:ext>
+  </a:extLst>
 </a:theme>
 </file>